--- a/seminar/2021/Features from Accelerated Segment Test.pptx
+++ b/seminar/2021/Features from Accelerated Segment Test.pptx
@@ -296,7 +296,7 @@
           <a:p>
             <a:fld id="{839BD498-DA88-4731-8075-1B4D30B755EF}" type="datetimeFigureOut">
               <a:rPr lang="ko-KR" altLang="en-US" smtClean="0"/>
-              <a:t>2021-09-22</a:t>
+              <a:t>2021-10-23</a:t>
             </a:fld>
             <a:endParaRPr lang="ko-KR" altLang="en-US"/>
           </a:p>
@@ -496,7 +496,7 @@
           <a:p>
             <a:fld id="{839BD498-DA88-4731-8075-1B4D30B755EF}" type="datetimeFigureOut">
               <a:rPr lang="ko-KR" altLang="en-US" smtClean="0"/>
-              <a:t>2021-09-22</a:t>
+              <a:t>2021-10-23</a:t>
             </a:fld>
             <a:endParaRPr lang="ko-KR" altLang="en-US"/>
           </a:p>
@@ -706,7 +706,7 @@
           <a:p>
             <a:fld id="{839BD498-DA88-4731-8075-1B4D30B755EF}" type="datetimeFigureOut">
               <a:rPr lang="ko-KR" altLang="en-US" smtClean="0"/>
-              <a:t>2021-09-22</a:t>
+              <a:t>2021-10-23</a:t>
             </a:fld>
             <a:endParaRPr lang="ko-KR" altLang="en-US"/>
           </a:p>
@@ -906,7 +906,7 @@
           <a:p>
             <a:fld id="{839BD498-DA88-4731-8075-1B4D30B755EF}" type="datetimeFigureOut">
               <a:rPr lang="ko-KR" altLang="en-US" smtClean="0"/>
-              <a:t>2021-09-22</a:t>
+              <a:t>2021-10-23</a:t>
             </a:fld>
             <a:endParaRPr lang="ko-KR" altLang="en-US"/>
           </a:p>
@@ -1182,7 +1182,7 @@
           <a:p>
             <a:fld id="{839BD498-DA88-4731-8075-1B4D30B755EF}" type="datetimeFigureOut">
               <a:rPr lang="ko-KR" altLang="en-US" smtClean="0"/>
-              <a:t>2021-09-22</a:t>
+              <a:t>2021-10-23</a:t>
             </a:fld>
             <a:endParaRPr lang="ko-KR" altLang="en-US"/>
           </a:p>
@@ -1450,7 +1450,7 @@
           <a:p>
             <a:fld id="{839BD498-DA88-4731-8075-1B4D30B755EF}" type="datetimeFigureOut">
               <a:rPr lang="ko-KR" altLang="en-US" smtClean="0"/>
-              <a:t>2021-09-22</a:t>
+              <a:t>2021-10-23</a:t>
             </a:fld>
             <a:endParaRPr lang="ko-KR" altLang="en-US"/>
           </a:p>
@@ -1865,7 +1865,7 @@
           <a:p>
             <a:fld id="{839BD498-DA88-4731-8075-1B4D30B755EF}" type="datetimeFigureOut">
               <a:rPr lang="ko-KR" altLang="en-US" smtClean="0"/>
-              <a:t>2021-09-22</a:t>
+              <a:t>2021-10-23</a:t>
             </a:fld>
             <a:endParaRPr lang="ko-KR" altLang="en-US"/>
           </a:p>
@@ -2007,7 +2007,7 @@
           <a:p>
             <a:fld id="{839BD498-DA88-4731-8075-1B4D30B755EF}" type="datetimeFigureOut">
               <a:rPr lang="ko-KR" altLang="en-US" smtClean="0"/>
-              <a:t>2021-09-22</a:t>
+              <a:t>2021-10-23</a:t>
             </a:fld>
             <a:endParaRPr lang="ko-KR" altLang="en-US"/>
           </a:p>
@@ -2120,7 +2120,7 @@
           <a:p>
             <a:fld id="{839BD498-DA88-4731-8075-1B4D30B755EF}" type="datetimeFigureOut">
               <a:rPr lang="ko-KR" altLang="en-US" smtClean="0"/>
-              <a:t>2021-09-22</a:t>
+              <a:t>2021-10-23</a:t>
             </a:fld>
             <a:endParaRPr lang="ko-KR" altLang="en-US"/>
           </a:p>
@@ -2433,7 +2433,7 @@
           <a:p>
             <a:fld id="{839BD498-DA88-4731-8075-1B4D30B755EF}" type="datetimeFigureOut">
               <a:rPr lang="ko-KR" altLang="en-US" smtClean="0"/>
-              <a:t>2021-09-22</a:t>
+              <a:t>2021-10-23</a:t>
             </a:fld>
             <a:endParaRPr lang="ko-KR" altLang="en-US"/>
           </a:p>
@@ -2722,7 +2722,7 @@
           <a:p>
             <a:fld id="{839BD498-DA88-4731-8075-1B4D30B755EF}" type="datetimeFigureOut">
               <a:rPr lang="ko-KR" altLang="en-US" smtClean="0"/>
-              <a:t>2021-09-22</a:t>
+              <a:t>2021-10-23</a:t>
             </a:fld>
             <a:endParaRPr lang="ko-KR" altLang="en-US"/>
           </a:p>
@@ -2965,7 +2965,7 @@
           <a:p>
             <a:fld id="{839BD498-DA88-4731-8075-1B4D30B755EF}" type="datetimeFigureOut">
               <a:rPr lang="ko-KR" altLang="en-US" smtClean="0"/>
-              <a:t>2021-09-22</a:t>
+              <a:t>2021-10-23</a:t>
             </a:fld>
             <a:endParaRPr lang="ko-KR" altLang="en-US"/>
           </a:p>
@@ -3502,8 +3502,8 @@
           </a:p>
         </p:txBody>
       </p:sp>
-      <mc:AlternateContent xmlns:mc="http://schemas.openxmlformats.org/markup-compatibility/2006">
-        <mc:Choice xmlns:a14="http://schemas.microsoft.com/office/drawing/2010/main" Requires="a14">
+      <mc:AlternateContent xmlns:mc="http://schemas.openxmlformats.org/markup-compatibility/2006" xmlns:a14="http://schemas.microsoft.com/office/drawing/2010/main">
+        <mc:Choice Requires="a14">
           <p:sp>
             <p:nvSpPr>
               <p:cNvPr id="3" name="Content Placeholder 2">
@@ -3812,7 +3812,7 @@
             </p:txBody>
           </p:sp>
         </mc:Choice>
-        <mc:Fallback>
+        <mc:Fallback xmlns="">
           <p:sp>
             <p:nvSpPr>
               <p:cNvPr id="3" name="Content Placeholder 2">
@@ -6960,8 +6960,8 @@
           </a:p>
         </p:txBody>
       </p:sp>
-      <mc:AlternateContent xmlns:mc="http://schemas.openxmlformats.org/markup-compatibility/2006">
-        <mc:Choice xmlns:a14="http://schemas.microsoft.com/office/drawing/2010/main" Requires="a14">
+      <mc:AlternateContent xmlns:mc="http://schemas.openxmlformats.org/markup-compatibility/2006" xmlns:a14="http://schemas.microsoft.com/office/drawing/2010/main">
+        <mc:Choice Requires="a14">
           <p:sp>
             <p:nvSpPr>
               <p:cNvPr id="3" name="Content Placeholder 2">
@@ -7321,7 +7321,7 @@
             </p:txBody>
           </p:sp>
         </mc:Choice>
-        <mc:Fallback>
+        <mc:Fallback xmlns="">
           <p:sp>
             <p:nvSpPr>
               <p:cNvPr id="3" name="Content Placeholder 2">
@@ -7751,7 +7751,7 @@
                             <a:rPr lang="en-US" altLang="ko-KR" sz="2000" b="0" i="1" smtClean="0">
                               <a:latin typeface="Cambria Math" panose="02040503050406030204" pitchFamily="18" charset="0"/>
                             </a:rPr>
-                            <m:t>𝐼</m:t>
+                            <m:t>𝑝</m:t>
                           </m:r>
                           <m:d>
                             <m:dPr>
@@ -7832,7 +7832,7 @@
                                 <a:rPr lang="en-US" altLang="ko-KR" sz="2000" b="0" i="1" smtClean="0">
                                   <a:latin typeface="Cambria Math" panose="02040503050406030204" pitchFamily="18" charset="0"/>
                                 </a:rPr>
-                                <m:t>𝐼</m:t>
+                                <m:t>𝑝</m:t>
                               </m:r>
                               <m:r>
                                 <a:rPr lang="en-US" altLang="ko-KR" sz="2000" b="0" i="1" smtClean="0">
@@ -8021,8 +8021,8 @@
           </a:p>
         </p:txBody>
       </p:sp>
-      <mc:AlternateContent xmlns:mc="http://schemas.openxmlformats.org/markup-compatibility/2006">
-        <mc:Choice xmlns:a14="http://schemas.microsoft.com/office/drawing/2010/main" Requires="a14">
+      <mc:AlternateContent xmlns:mc="http://schemas.openxmlformats.org/markup-compatibility/2006" xmlns:a14="http://schemas.microsoft.com/office/drawing/2010/main">
+        <mc:Choice Requires="a14">
           <p:sp>
             <p:nvSpPr>
               <p:cNvPr id="3" name="Content Placeholder 2">
@@ -8268,7 +8268,7 @@
             </p:txBody>
           </p:sp>
         </mc:Choice>
-        <mc:Fallback>
+        <mc:Fallback xmlns="">
           <p:sp>
             <p:nvSpPr>
               <p:cNvPr id="3" name="Content Placeholder 2">
@@ -8370,8 +8370,8 @@
           </a:p>
         </p:txBody>
       </p:sp>
-      <mc:AlternateContent xmlns:mc="http://schemas.openxmlformats.org/markup-compatibility/2006">
-        <mc:Choice xmlns:a14="http://schemas.microsoft.com/office/drawing/2010/main" Requires="a14">
+      <mc:AlternateContent xmlns:mc="http://schemas.openxmlformats.org/markup-compatibility/2006" xmlns:a14="http://schemas.microsoft.com/office/drawing/2010/main">
+        <mc:Choice Requires="a14">
           <p:sp>
             <p:nvSpPr>
               <p:cNvPr id="3" name="Content Placeholder 2">
@@ -8753,7 +8753,7 @@
             </p:txBody>
           </p:sp>
         </mc:Choice>
-        <mc:Fallback>
+        <mc:Fallback xmlns="">
           <p:sp>
             <p:nvSpPr>
               <p:cNvPr id="3" name="Content Placeholder 2">
@@ -8885,8 +8885,8 @@
           </a:p>
         </p:txBody>
       </p:sp>
-      <mc:AlternateContent xmlns:mc="http://schemas.openxmlformats.org/markup-compatibility/2006">
-        <mc:Choice xmlns:a14="http://schemas.microsoft.com/office/drawing/2010/main" Requires="a14">
+      <mc:AlternateContent xmlns:mc="http://schemas.openxmlformats.org/markup-compatibility/2006" xmlns:a14="http://schemas.microsoft.com/office/drawing/2010/main">
+        <mc:Choice Requires="a14">
           <p:sp>
             <p:nvSpPr>
               <p:cNvPr id="3" name="Content Placeholder 2">
@@ -9177,7 +9177,7 @@
             </p:txBody>
           </p:sp>
         </mc:Choice>
-        <mc:Fallback>
+        <mc:Fallback xmlns="">
           <p:sp>
             <p:nvSpPr>
               <p:cNvPr id="3" name="Content Placeholder 2">
